--- a/APRESENTAÇÕES/PSU.pptx
+++ b/APRESENTAÇÕES/PSU.pptx
@@ -352,7 +352,7 @@
     </p:extLst>
   </p:cSld>
   <p:clrMap bg1="lt1" tx1="dk1" bg2="lt2" tx2="dk2" accent1="accent1" accent2="accent2" accent3="accent3" accent4="accent4" accent5="accent5" accent6="accent6" hlink="hlink" folHlink="folHlink"/>
-  <p:hf sldNum="0" hdr="0" ftr="0" dt="0"/>
+  <p:hf hdr="0" ftr="0" dt="0"/>
 </p:handoutMaster>
 </file>
 
@@ -623,7 +623,7 @@
     </p:extLst>
   </p:cSld>
   <p:clrMap bg1="lt1" tx1="dk1" bg2="lt2" tx2="dk2" accent1="accent1" accent2="accent2" accent3="accent3" accent4="accent4" accent5="accent5" accent6="accent6" hlink="hlink" folHlink="folHlink"/>
-  <p:hf sldNum="0" hdr="0" ftr="0" dt="0"/>
+  <p:hf hdr="0" ftr="0" dt="0"/>
   <p:notesStyle>
     <a:lvl1pPr marL="0" algn="l" defTabSz="914400" rtl="0" eaLnBrk="1" latinLnBrk="0" hangingPunct="1">
       <a:defRPr lang="pt-BR" sz="1200" kern="1200">
@@ -767,6 +767,36 @@
           </a:p>
         </p:txBody>
       </p:sp>
+      <p:sp>
+        <p:nvSpPr>
+          <p:cNvPr id="4" name="Espaço Reservado para Número de Slide 3">
+            <a:extLst>
+              <a:ext uri="{FF2B5EF4-FFF2-40B4-BE49-F238E27FC236}">
+                <a16:creationId xmlns:a16="http://schemas.microsoft.com/office/drawing/2014/main" id="{9BB6A568-3E46-7ACC-436A-167C7678378F}"/>
+              </a:ext>
+            </a:extLst>
+          </p:cNvPr>
+          <p:cNvSpPr>
+            <a:spLocks noGrp="1"/>
+          </p:cNvSpPr>
+          <p:nvPr>
+            <p:ph type="sldNum" sz="quarter" idx="5"/>
+          </p:nvPr>
+        </p:nvSpPr>
+        <p:spPr/>
+        <p:txBody>
+          <a:bodyPr/>
+          <a:lstStyle/>
+          <a:p>
+            <a:pPr rtl="0"/>
+            <a:fld id="{6B79E9EB-07EB-9D44-9F5A-AB1FBECCDD88}" type="slidenum">
+              <a:rPr lang="pt-BR" smtClean="0"/>
+              <a:t>1</a:t>
+            </a:fld>
+            <a:endParaRPr lang="pt-BR" dirty="0"/>
+          </a:p>
+        </p:txBody>
+      </p:sp>
     </p:spTree>
     <p:extLst>
       <p:ext uri="{BB962C8B-B14F-4D97-AF65-F5344CB8AC3E}">
@@ -828,6 +858,36 @@
           </a:p>
         </p:txBody>
       </p:sp>
+      <p:sp>
+        <p:nvSpPr>
+          <p:cNvPr id="4" name="Espaço Reservado para Número de Slide 3">
+            <a:extLst>
+              <a:ext uri="{FF2B5EF4-FFF2-40B4-BE49-F238E27FC236}">
+                <a16:creationId xmlns:a16="http://schemas.microsoft.com/office/drawing/2014/main" id="{4793815F-DC57-5568-28D1-370DDEBFCEEB}"/>
+              </a:ext>
+            </a:extLst>
+          </p:cNvPr>
+          <p:cNvSpPr>
+            <a:spLocks noGrp="1"/>
+          </p:cNvSpPr>
+          <p:nvPr>
+            <p:ph type="sldNum" sz="quarter" idx="5"/>
+          </p:nvPr>
+        </p:nvSpPr>
+        <p:spPr/>
+        <p:txBody>
+          <a:bodyPr/>
+          <a:lstStyle/>
+          <a:p>
+            <a:pPr rtl="0"/>
+            <a:fld id="{6B79E9EB-07EB-9D44-9F5A-AB1FBECCDD88}" type="slidenum">
+              <a:rPr lang="pt-BR" smtClean="0"/>
+              <a:t>3</a:t>
+            </a:fld>
+            <a:endParaRPr lang="pt-BR" dirty="0"/>
+          </a:p>
+        </p:txBody>
+      </p:sp>
     </p:spTree>
     <p:extLst>
       <p:ext uri="{BB962C8B-B14F-4D97-AF65-F5344CB8AC3E}">
@@ -889,6 +949,36 @@
           </a:p>
         </p:txBody>
       </p:sp>
+      <p:sp>
+        <p:nvSpPr>
+          <p:cNvPr id="4" name="Espaço Reservado para Número de Slide 3">
+            <a:extLst>
+              <a:ext uri="{FF2B5EF4-FFF2-40B4-BE49-F238E27FC236}">
+                <a16:creationId xmlns:a16="http://schemas.microsoft.com/office/drawing/2014/main" id="{D95E6283-5B30-386B-0C2F-6DFA965DF88D}"/>
+              </a:ext>
+            </a:extLst>
+          </p:cNvPr>
+          <p:cNvSpPr>
+            <a:spLocks noGrp="1"/>
+          </p:cNvSpPr>
+          <p:nvPr>
+            <p:ph type="sldNum" sz="quarter" idx="5"/>
+          </p:nvPr>
+        </p:nvSpPr>
+        <p:spPr/>
+        <p:txBody>
+          <a:bodyPr/>
+          <a:lstStyle/>
+          <a:p>
+            <a:pPr rtl="0"/>
+            <a:fld id="{6B79E9EB-07EB-9D44-9F5A-AB1FBECCDD88}" type="slidenum">
+              <a:rPr lang="pt-BR" smtClean="0"/>
+              <a:t>4</a:t>
+            </a:fld>
+            <a:endParaRPr lang="pt-BR" dirty="0"/>
+          </a:p>
+        </p:txBody>
+      </p:sp>
     </p:spTree>
     <p:extLst>
       <p:ext uri="{BB962C8B-B14F-4D97-AF65-F5344CB8AC3E}">
@@ -950,6 +1040,36 @@
           </a:p>
         </p:txBody>
       </p:sp>
+      <p:sp>
+        <p:nvSpPr>
+          <p:cNvPr id="4" name="Espaço Reservado para Número de Slide 3">
+            <a:extLst>
+              <a:ext uri="{FF2B5EF4-FFF2-40B4-BE49-F238E27FC236}">
+                <a16:creationId xmlns:a16="http://schemas.microsoft.com/office/drawing/2014/main" id="{59BC9FD7-546C-48B1-02B2-3BE0D9375C8E}"/>
+              </a:ext>
+            </a:extLst>
+          </p:cNvPr>
+          <p:cNvSpPr>
+            <a:spLocks noGrp="1"/>
+          </p:cNvSpPr>
+          <p:nvPr>
+            <p:ph type="sldNum" sz="quarter" idx="5"/>
+          </p:nvPr>
+        </p:nvSpPr>
+        <p:spPr/>
+        <p:txBody>
+          <a:bodyPr/>
+          <a:lstStyle/>
+          <a:p>
+            <a:pPr rtl="0"/>
+            <a:fld id="{6B79E9EB-07EB-9D44-9F5A-AB1FBECCDD88}" type="slidenum">
+              <a:rPr lang="pt-BR" smtClean="0"/>
+              <a:t>6</a:t>
+            </a:fld>
+            <a:endParaRPr lang="pt-BR" dirty="0"/>
+          </a:p>
+        </p:txBody>
+      </p:sp>
     </p:spTree>
     <p:extLst>
       <p:ext uri="{BB962C8B-B14F-4D97-AF65-F5344CB8AC3E}">
@@ -1011,6 +1131,36 @@
           </a:p>
         </p:txBody>
       </p:sp>
+      <p:sp>
+        <p:nvSpPr>
+          <p:cNvPr id="4" name="Espaço Reservado para Número de Slide 3">
+            <a:extLst>
+              <a:ext uri="{FF2B5EF4-FFF2-40B4-BE49-F238E27FC236}">
+                <a16:creationId xmlns:a16="http://schemas.microsoft.com/office/drawing/2014/main" id="{4F5841AD-2C87-F394-0F73-C5963A81E920}"/>
+              </a:ext>
+            </a:extLst>
+          </p:cNvPr>
+          <p:cNvSpPr>
+            <a:spLocks noGrp="1"/>
+          </p:cNvSpPr>
+          <p:nvPr>
+            <p:ph type="sldNum" sz="quarter" idx="5"/>
+          </p:nvPr>
+        </p:nvSpPr>
+        <p:spPr/>
+        <p:txBody>
+          <a:bodyPr/>
+          <a:lstStyle/>
+          <a:p>
+            <a:pPr rtl="0"/>
+            <a:fld id="{6B79E9EB-07EB-9D44-9F5A-AB1FBECCDD88}" type="slidenum">
+              <a:rPr lang="pt-BR" smtClean="0"/>
+              <a:t>7</a:t>
+            </a:fld>
+            <a:endParaRPr lang="pt-BR" dirty="0"/>
+          </a:p>
+        </p:txBody>
+      </p:sp>
     </p:spTree>
     <p:extLst>
       <p:ext uri="{BB962C8B-B14F-4D97-AF65-F5344CB8AC3E}">
@@ -1072,6 +1222,36 @@
           </a:p>
         </p:txBody>
       </p:sp>
+      <p:sp>
+        <p:nvSpPr>
+          <p:cNvPr id="4" name="Espaço Reservado para Número de Slide 3">
+            <a:extLst>
+              <a:ext uri="{FF2B5EF4-FFF2-40B4-BE49-F238E27FC236}">
+                <a16:creationId xmlns:a16="http://schemas.microsoft.com/office/drawing/2014/main" id="{B2C3AE6B-C281-9947-5387-FE9593E0226F}"/>
+              </a:ext>
+            </a:extLst>
+          </p:cNvPr>
+          <p:cNvSpPr>
+            <a:spLocks noGrp="1"/>
+          </p:cNvSpPr>
+          <p:nvPr>
+            <p:ph type="sldNum" sz="quarter" idx="5"/>
+          </p:nvPr>
+        </p:nvSpPr>
+        <p:spPr/>
+        <p:txBody>
+          <a:bodyPr/>
+          <a:lstStyle/>
+          <a:p>
+            <a:pPr rtl="0"/>
+            <a:fld id="{6B79E9EB-07EB-9D44-9F5A-AB1FBECCDD88}" type="slidenum">
+              <a:rPr lang="pt-BR" smtClean="0"/>
+              <a:t>8</a:t>
+            </a:fld>
+            <a:endParaRPr lang="pt-BR" dirty="0"/>
+          </a:p>
+        </p:txBody>
+      </p:sp>
     </p:spTree>
     <p:extLst>
       <p:ext uri="{BB962C8B-B14F-4D97-AF65-F5344CB8AC3E}">
@@ -1133,6 +1313,36 @@
           </a:p>
         </p:txBody>
       </p:sp>
+      <p:sp>
+        <p:nvSpPr>
+          <p:cNvPr id="4" name="Espaço Reservado para Número de Slide 3">
+            <a:extLst>
+              <a:ext uri="{FF2B5EF4-FFF2-40B4-BE49-F238E27FC236}">
+                <a16:creationId xmlns:a16="http://schemas.microsoft.com/office/drawing/2014/main" id="{8EA5858B-395D-7CE6-D40B-9AF7B68C786F}"/>
+              </a:ext>
+            </a:extLst>
+          </p:cNvPr>
+          <p:cNvSpPr>
+            <a:spLocks noGrp="1"/>
+          </p:cNvSpPr>
+          <p:nvPr>
+            <p:ph type="sldNum" sz="quarter" idx="5"/>
+          </p:nvPr>
+        </p:nvSpPr>
+        <p:spPr/>
+        <p:txBody>
+          <a:bodyPr/>
+          <a:lstStyle/>
+          <a:p>
+            <a:pPr rtl="0"/>
+            <a:fld id="{6B79E9EB-07EB-9D44-9F5A-AB1FBECCDD88}" type="slidenum">
+              <a:rPr lang="pt-BR" smtClean="0"/>
+              <a:t>10</a:t>
+            </a:fld>
+            <a:endParaRPr lang="pt-BR" dirty="0"/>
+          </a:p>
+        </p:txBody>
+      </p:sp>
     </p:spTree>
     <p:extLst>
       <p:ext uri="{BB962C8B-B14F-4D97-AF65-F5344CB8AC3E}">
@@ -1190,6 +1400,36 @@
           <a:bodyPr/>
           <a:lstStyle/>
           <a:p>
+            <a:endParaRPr lang="pt-BR" dirty="0"/>
+          </a:p>
+        </p:txBody>
+      </p:sp>
+      <p:sp>
+        <p:nvSpPr>
+          <p:cNvPr id="4" name="Espaço Reservado para Número de Slide 3">
+            <a:extLst>
+              <a:ext uri="{FF2B5EF4-FFF2-40B4-BE49-F238E27FC236}">
+                <a16:creationId xmlns:a16="http://schemas.microsoft.com/office/drawing/2014/main" id="{49B6E81A-A5C4-F14D-7CDD-F83FF52BFD96}"/>
+              </a:ext>
+            </a:extLst>
+          </p:cNvPr>
+          <p:cNvSpPr>
+            <a:spLocks noGrp="1"/>
+          </p:cNvSpPr>
+          <p:nvPr>
+            <p:ph type="sldNum" sz="quarter" idx="5"/>
+          </p:nvPr>
+        </p:nvSpPr>
+        <p:spPr/>
+        <p:txBody>
+          <a:bodyPr/>
+          <a:lstStyle/>
+          <a:p>
+            <a:pPr rtl="0"/>
+            <a:fld id="{6B79E9EB-07EB-9D44-9F5A-AB1FBECCDD88}" type="slidenum">
+              <a:rPr lang="pt-BR" smtClean="0"/>
+              <a:t>11</a:t>
+            </a:fld>
             <a:endParaRPr lang="pt-BR" dirty="0"/>
           </a:p>
         </p:txBody>
@@ -1747,10 +1987,7 @@
           </a:lstStyle>
           <a:p>
             <a:pPr rtl="0"/>
-            <a:r>
-              <a:rPr lang="pt-BR"/>
-              <a:t>título da apresentação</a:t>
-            </a:r>
+            <a:endParaRPr lang="pt-BR"/>
           </a:p>
         </p:txBody>
       </p:sp>
@@ -2665,10 +2902,7 @@
           </a:lstStyle>
           <a:p>
             <a:pPr rtl="0"/>
-            <a:r>
-              <a:rPr lang="pt-BR"/>
-              <a:t>título da apresentação</a:t>
-            </a:r>
+            <a:endParaRPr lang="pt-BR"/>
           </a:p>
         </p:txBody>
       </p:sp>
@@ -4184,10 +4418,7 @@
           </a:lstStyle>
           <a:p>
             <a:pPr rtl="0"/>
-            <a:r>
-              <a:rPr lang="pt-BR"/>
-              <a:t>título da apresentação</a:t>
-            </a:r>
+            <a:endParaRPr lang="pt-BR"/>
           </a:p>
         </p:txBody>
       </p:sp>
@@ -4871,10 +5102,7 @@
           </a:lstStyle>
           <a:p>
             <a:pPr rtl="0"/>
-            <a:r>
-              <a:rPr lang="pt-BR"/>
-              <a:t>título da apresentação</a:t>
-            </a:r>
+            <a:endParaRPr lang="pt-BR"/>
           </a:p>
         </p:txBody>
       </p:sp>
@@ -5396,10 +5624,7 @@
           </a:lstStyle>
           <a:p>
             <a:pPr rtl="0"/>
-            <a:r>
-              <a:rPr lang="pt-BR"/>
-              <a:t>título da apresentação</a:t>
-            </a:r>
+            <a:endParaRPr lang="pt-BR"/>
           </a:p>
         </p:txBody>
       </p:sp>
@@ -6101,10 +6326,7 @@
           </a:lstStyle>
           <a:p>
             <a:pPr rtl="0"/>
-            <a:r>
-              <a:rPr lang="pt-BR"/>
-              <a:t>título da apresentação</a:t>
-            </a:r>
+            <a:endParaRPr lang="pt-BR"/>
           </a:p>
         </p:txBody>
       </p:sp>
@@ -6198,10 +6420,7 @@
           </a:lstStyle>
           <a:p>
             <a:pPr rtl="0"/>
-            <a:r>
-              <a:rPr lang="pt-BR"/>
-              <a:t>título da apresentação</a:t>
-            </a:r>
+            <a:endParaRPr lang="pt-BR"/>
           </a:p>
         </p:txBody>
       </p:sp>
@@ -6494,10 +6713,7 @@
           </a:lstStyle>
           <a:p>
             <a:pPr rtl="0"/>
-            <a:r>
-              <a:rPr lang="pt-BR"/>
-              <a:t>título da apresentação</a:t>
-            </a:r>
+            <a:endParaRPr lang="pt-BR"/>
           </a:p>
         </p:txBody>
       </p:sp>
@@ -6772,10 +6988,7 @@
           </a:lstStyle>
           <a:p>
             <a:pPr rtl="0"/>
-            <a:r>
-              <a:rPr lang="pt-BR"/>
-              <a:t>título da apresentação</a:t>
-            </a:r>
+            <a:endParaRPr lang="pt-BR"/>
           </a:p>
         </p:txBody>
       </p:sp>
@@ -7138,10 +7351,7 @@
           </a:lstStyle>
           <a:p>
             <a:pPr rtl="0"/>
-            <a:r>
-              <a:rPr lang="pt-BR"/>
-              <a:t>título da apresentação</a:t>
-            </a:r>
+            <a:endParaRPr lang="pt-BR"/>
           </a:p>
         </p:txBody>
       </p:sp>
@@ -7549,10 +7759,7 @@
           </a:lstStyle>
           <a:p>
             <a:pPr rtl="0"/>
-            <a:r>
-              <a:rPr lang="pt-BR"/>
-              <a:t>título da apresentação</a:t>
-            </a:r>
+            <a:endParaRPr lang="pt-BR"/>
           </a:p>
         </p:txBody>
       </p:sp>
@@ -8301,10 +8508,7 @@
           </a:lstStyle>
           <a:p>
             <a:pPr rtl="0"/>
-            <a:r>
-              <a:rPr lang="pt-BR"/>
-              <a:t>título da apresentação</a:t>
-            </a:r>
+            <a:endParaRPr lang="pt-BR"/>
           </a:p>
         </p:txBody>
       </p:sp>
@@ -8551,10 +8755,7 @@
           </a:lstStyle>
           <a:p>
             <a:pPr rtl="0"/>
-            <a:r>
-              <a:rPr lang="pt-BR"/>
-              <a:t>título da apresentação</a:t>
-            </a:r>
+            <a:endParaRPr lang="pt-BR"/>
           </a:p>
         </p:txBody>
       </p:sp>
@@ -8685,10 +8886,7 @@
           </a:lstStyle>
           <a:p>
             <a:pPr rtl="0"/>
-            <a:r>
-              <a:rPr lang="pt-BR"/>
-              <a:t>título da apresentação</a:t>
-            </a:r>
+            <a:endParaRPr lang="pt-BR"/>
           </a:p>
         </p:txBody>
       </p:sp>
@@ -9024,10 +9222,7 @@
           </a:lstStyle>
           <a:p>
             <a:pPr rtl="0"/>
-            <a:r>
-              <a:rPr lang="pt-BR"/>
-              <a:t>título da apresentação</a:t>
-            </a:r>
+            <a:endParaRPr lang="pt-BR"/>
           </a:p>
         </p:txBody>
       </p:sp>
@@ -9928,10 +10123,7 @@
           </a:lstStyle>
           <a:p>
             <a:pPr rtl="0"/>
-            <a:r>
-              <a:rPr lang="pt-BR"/>
-              <a:t>título da apresentação</a:t>
-            </a:r>
+            <a:endParaRPr lang="pt-BR"/>
           </a:p>
         </p:txBody>
       </p:sp>
@@ -11708,10 +11900,6 @@
             </a:lvl1pPr>
           </a:lstStyle>
           <a:p>
-            <a:r>
-              <a:rPr lang="pt-BR" dirty="0"/>
-              <a:t>título da apresentação</a:t>
-            </a:r>
             <a:endParaRPr lang="pt-BR" sz="1100" dirty="0"/>
           </a:p>
         </p:txBody>
@@ -11788,7 +11976,7 @@
     <p:sldLayoutId id="2147483656" r:id="rId18"/>
     <p:sldLayoutId id="2147483657" r:id="rId19"/>
   </p:sldLayoutIdLst>
-  <p:hf hdr="0" dt="0"/>
+  <p:hf hdr="0" ftr="0" dt="0"/>
   <p:txStyles>
     <p:titleStyle>
       <a:lvl1pPr algn="l" defTabSz="914400" rtl="0" eaLnBrk="1" latinLnBrk="0" hangingPunct="1">
@@ -12404,39 +12592,6 @@
       </p:sp>
       <p:sp>
         <p:nvSpPr>
-          <p:cNvPr id="4" name="Espaço Reservado para Rodapé 3">
-            <a:extLst>
-              <a:ext uri="{FF2B5EF4-FFF2-40B4-BE49-F238E27FC236}">
-                <a16:creationId xmlns:a16="http://schemas.microsoft.com/office/drawing/2014/main" id="{6D8B5CE3-4B9A-F4CE-7CFA-737572BD3527}"/>
-              </a:ext>
-            </a:extLst>
-          </p:cNvPr>
-          <p:cNvSpPr>
-            <a:spLocks noGrp="1"/>
-          </p:cNvSpPr>
-          <p:nvPr>
-            <p:ph type="ftr" sz="quarter" idx="12"/>
-          </p:nvPr>
-        </p:nvSpPr>
-        <p:spPr/>
-        <p:txBody>
-          <a:bodyPr rtlCol="0"/>
-          <a:lstStyle>
-            <a:defPPr>
-              <a:defRPr lang="pt-BR"/>
-            </a:defPPr>
-          </a:lstStyle>
-          <a:p>
-            <a:pPr rtl="0"/>
-            <a:r>
-              <a:rPr lang="pt-BR" dirty="0"/>
-              <a:t>P.S.U</a:t>
-            </a:r>
-          </a:p>
-        </p:txBody>
-      </p:sp>
-      <p:sp>
-        <p:nvSpPr>
           <p:cNvPr id="3" name="Espaço Reservado para o Número do Slide 2">
             <a:extLst>
               <a:ext uri="{FF2B5EF4-FFF2-40B4-BE49-F238E27FC236}">
@@ -12578,54 +12733,6 @@
               <a:t>11</a:t>
             </a:fld>
             <a:endParaRPr lang="pt-BR"/>
-          </a:p>
-        </p:txBody>
-      </p:sp>
-      <p:sp>
-        <p:nvSpPr>
-          <p:cNvPr id="5" name="Espaço Reservado para Rodapé 4">
-            <a:extLst>
-              <a:ext uri="{FF2B5EF4-FFF2-40B4-BE49-F238E27FC236}">
-                <a16:creationId xmlns:a16="http://schemas.microsoft.com/office/drawing/2014/main" id="{9DAADF85-A479-7797-B775-BEC735484239}"/>
-              </a:ext>
-            </a:extLst>
-          </p:cNvPr>
-          <p:cNvSpPr>
-            <a:spLocks noGrp="1"/>
-          </p:cNvSpPr>
-          <p:nvPr>
-            <p:ph type="ftr" sz="quarter" idx="12"/>
-          </p:nvPr>
-        </p:nvSpPr>
-        <p:spPr>
-          <a:xfrm rot="16200000">
-            <a:off x="-468710" y="1239774"/>
-            <a:ext cx="2221833" cy="175421"/>
-          </a:xfrm>
-        </p:spPr>
-        <p:txBody>
-          <a:bodyPr vert="horz" lIns="0" tIns="0" rIns="0" bIns="0" rtlCol="0" anchor="ctr">
-            <a:normAutofit/>
-          </a:bodyPr>
-          <a:lstStyle>
-            <a:defPPr>
-              <a:defRPr lang="pt-BR"/>
-            </a:defPPr>
-          </a:lstStyle>
-          <a:p>
-            <a:pPr>
-              <a:spcAft>
-                <a:spcPts val="600"/>
-              </a:spcAft>
-            </a:pPr>
-            <a:r>
-              <a:rPr lang="pt-BR" kern="1200" cap="all" spc="100" baseline="0" dirty="0">
-                <a:latin typeface="Posterama" panose="020B0504020200020000" pitchFamily="34" charset="0"/>
-                <a:ea typeface="+mn-ea"/>
-                <a:cs typeface="+mn-cs"/>
-              </a:rPr>
-              <a:t>P.S.U</a:t>
-            </a:r>
           </a:p>
         </p:txBody>
       </p:sp>
@@ -13384,35 +13491,6 @@
           </a:p>
         </p:txBody>
       </p:sp>
-      <p:sp>
-        <p:nvSpPr>
-          <p:cNvPr id="5" name="Espaço Reservado para Rodapé 4">
-            <a:extLst>
-              <a:ext uri="{FF2B5EF4-FFF2-40B4-BE49-F238E27FC236}">
-                <a16:creationId xmlns:a16="http://schemas.microsoft.com/office/drawing/2014/main" id="{86DF37AC-37D6-4D8C-D097-1C7315BE3C87}"/>
-              </a:ext>
-            </a:extLst>
-          </p:cNvPr>
-          <p:cNvSpPr>
-            <a:spLocks noGrp="1"/>
-          </p:cNvSpPr>
-          <p:nvPr>
-            <p:ph type="ftr" sz="quarter" idx="12"/>
-          </p:nvPr>
-        </p:nvSpPr>
-        <p:spPr/>
-        <p:txBody>
-          <a:bodyPr/>
-          <a:lstStyle/>
-          <a:p>
-            <a:pPr rtl="0"/>
-            <a:r>
-              <a:rPr lang="pt-BR"/>
-              <a:t>título da apresentação</a:t>
-            </a:r>
-          </a:p>
-        </p:txBody>
-      </p:sp>
       <p:pic>
         <p:nvPicPr>
           <p:cNvPr id="8" name="Espaço Reservado para Imagem 7" descr="Uma imagem contendo banco&#10;&#10;Descrição gerada automaticamente">
@@ -13470,72 +13548,6 @@
       </p:grpSpPr>
       <p:sp>
         <p:nvSpPr>
-          <p:cNvPr id="2" name="Título 1">
-            <a:extLst>
-              <a:ext uri="{FF2B5EF4-FFF2-40B4-BE49-F238E27FC236}">
-                <a16:creationId xmlns:a16="http://schemas.microsoft.com/office/drawing/2014/main" id="{F0984788-646A-CF90-D67D-14752A71745D}"/>
-              </a:ext>
-            </a:extLst>
-          </p:cNvPr>
-          <p:cNvSpPr>
-            <a:spLocks noGrp="1"/>
-          </p:cNvSpPr>
-          <p:nvPr>
-            <p:ph type="title"/>
-          </p:nvPr>
-        </p:nvSpPr>
-        <p:spPr/>
-        <p:txBody>
-          <a:bodyPr rtlCol="0"/>
-          <a:lstStyle>
-            <a:defPPr>
-              <a:defRPr lang="pt-BR"/>
-            </a:defPPr>
-          </a:lstStyle>
-          <a:p>
-            <a:pPr rtl="0"/>
-            <a:r>
-              <a:rPr lang="pt-BR" dirty="0"/>
-              <a:t>Introdução</a:t>
-            </a:r>
-          </a:p>
-        </p:txBody>
-      </p:sp>
-      <p:sp>
-        <p:nvSpPr>
-          <p:cNvPr id="5" name="Espaço Reservado para Rodapé 4">
-            <a:extLst>
-              <a:ext uri="{FF2B5EF4-FFF2-40B4-BE49-F238E27FC236}">
-                <a16:creationId xmlns:a16="http://schemas.microsoft.com/office/drawing/2014/main" id="{241D8BC6-DD9D-7F06-3B9F-9F2B462E4984}"/>
-              </a:ext>
-            </a:extLst>
-          </p:cNvPr>
-          <p:cNvSpPr>
-            <a:spLocks noGrp="1"/>
-          </p:cNvSpPr>
-          <p:nvPr>
-            <p:ph type="ftr" sz="quarter" idx="12"/>
-          </p:nvPr>
-        </p:nvSpPr>
-        <p:spPr/>
-        <p:txBody>
-          <a:bodyPr rtlCol="0"/>
-          <a:lstStyle>
-            <a:defPPr>
-              <a:defRPr lang="pt-BR"/>
-            </a:defPPr>
-          </a:lstStyle>
-          <a:p>
-            <a:pPr rtl="0"/>
-            <a:r>
-              <a:rPr lang="pt-BR" dirty="0"/>
-              <a:t>P.S.U</a:t>
-            </a:r>
-          </a:p>
-        </p:txBody>
-      </p:sp>
-      <p:sp>
-        <p:nvSpPr>
           <p:cNvPr id="4" name="Espaço Reservado para o Número do Slide 3">
             <a:extLst>
               <a:ext uri="{FF2B5EF4-FFF2-40B4-BE49-F238E27FC236}">
@@ -13883,7 +13895,7 @@
             <a:pPr algn="ctr"/>
             <a:r>
               <a:rPr lang="pt-BR" sz="6000" dirty="0"/>
-              <a:t>Prontuário de saúde único</a:t>
+              <a:t>Prontuário de saúde unificado</a:t>
             </a:r>
           </a:p>
         </p:txBody>
@@ -13916,35 +13928,6 @@
               <a:t>5</a:t>
             </a:fld>
             <a:endParaRPr lang="pt-BR" dirty="0"/>
-          </a:p>
-        </p:txBody>
-      </p:sp>
-      <p:sp>
-        <p:nvSpPr>
-          <p:cNvPr id="5" name="Espaço Reservado para Rodapé 4">
-            <a:extLst>
-              <a:ext uri="{FF2B5EF4-FFF2-40B4-BE49-F238E27FC236}">
-                <a16:creationId xmlns:a16="http://schemas.microsoft.com/office/drawing/2014/main" id="{8B5D3B72-2896-96F4-CD39-A34D7F9FE476}"/>
-              </a:ext>
-            </a:extLst>
-          </p:cNvPr>
-          <p:cNvSpPr>
-            <a:spLocks noGrp="1"/>
-          </p:cNvSpPr>
-          <p:nvPr>
-            <p:ph type="ftr" sz="quarter" idx="12"/>
-          </p:nvPr>
-        </p:nvSpPr>
-        <p:spPr/>
-        <p:txBody>
-          <a:bodyPr/>
-          <a:lstStyle/>
-          <a:p>
-            <a:pPr rtl="0"/>
-            <a:r>
-              <a:rPr lang="pt-BR" dirty="0"/>
-              <a:t>P.S.U.</a:t>
-            </a:r>
           </a:p>
         </p:txBody>
       </p:sp>
@@ -14495,39 +14478,6 @@
       </p:sp>
       <p:sp>
         <p:nvSpPr>
-          <p:cNvPr id="5" name="Espaço Reservado para Rodapé 4">
-            <a:extLst>
-              <a:ext uri="{FF2B5EF4-FFF2-40B4-BE49-F238E27FC236}">
-                <a16:creationId xmlns:a16="http://schemas.microsoft.com/office/drawing/2014/main" id="{9DAADF85-A479-7797-B775-BEC735484239}"/>
-              </a:ext>
-            </a:extLst>
-          </p:cNvPr>
-          <p:cNvSpPr>
-            <a:spLocks noGrp="1"/>
-          </p:cNvSpPr>
-          <p:nvPr>
-            <p:ph type="ftr" sz="quarter" idx="12"/>
-          </p:nvPr>
-        </p:nvSpPr>
-        <p:spPr/>
-        <p:txBody>
-          <a:bodyPr rtlCol="0"/>
-          <a:lstStyle>
-            <a:defPPr>
-              <a:defRPr lang="pt-BR"/>
-            </a:defPPr>
-          </a:lstStyle>
-          <a:p>
-            <a:pPr rtl="0"/>
-            <a:r>
-              <a:rPr lang="pt-BR" dirty="0"/>
-              <a:t>P.S.G</a:t>
-            </a:r>
-          </a:p>
-        </p:txBody>
-      </p:sp>
-      <p:sp>
-        <p:nvSpPr>
           <p:cNvPr id="4" name="Espaço Reservado para o Número do Slide 3">
             <a:extLst>
               <a:ext uri="{FF2B5EF4-FFF2-40B4-BE49-F238E27FC236}">
@@ -14647,35 +14597,6 @@
               <a:t>9</a:t>
             </a:fld>
             <a:endParaRPr lang="pt-BR" dirty="0"/>
-          </a:p>
-        </p:txBody>
-      </p:sp>
-      <p:sp>
-        <p:nvSpPr>
-          <p:cNvPr id="5" name="Espaço Reservado para Rodapé 4">
-            <a:extLst>
-              <a:ext uri="{FF2B5EF4-FFF2-40B4-BE49-F238E27FC236}">
-                <a16:creationId xmlns:a16="http://schemas.microsoft.com/office/drawing/2014/main" id="{8B5D3B72-2896-96F4-CD39-A34D7F9FE476}"/>
-              </a:ext>
-            </a:extLst>
-          </p:cNvPr>
-          <p:cNvSpPr>
-            <a:spLocks noGrp="1"/>
-          </p:cNvSpPr>
-          <p:nvPr>
-            <p:ph type="ftr" sz="quarter" idx="12"/>
-          </p:nvPr>
-        </p:nvSpPr>
-        <p:spPr/>
-        <p:txBody>
-          <a:bodyPr/>
-          <a:lstStyle/>
-          <a:p>
-            <a:pPr rtl="0"/>
-            <a:r>
-              <a:rPr lang="pt-BR" dirty="0"/>
-              <a:t>P.S.U.</a:t>
-            </a:r>
           </a:p>
         </p:txBody>
       </p:sp>
@@ -15585,6 +15506,15 @@
 </file>
 
 <file path=customXml/item1.xml><?xml version="1.0" encoding="utf-8"?>
+<?mso-contentType ?>
+<FormTemplates xmlns="http://schemas.microsoft.com/sharepoint/v3/contenttype/forms">
+  <Display>DocumentLibraryForm</Display>
+  <Edit>DocumentLibraryForm</Edit>
+  <New>DocumentLibraryForm</New>
+</FormTemplates>
+</file>
+
+<file path=customXml/item2.xml><?xml version="1.0" encoding="utf-8"?>
 <p:properties xmlns:p="http://schemas.microsoft.com/office/2006/metadata/properties" xmlns:xsi="http://www.w3.org/2001/XMLSchema-instance" xmlns:pc="http://schemas.microsoft.com/office/infopath/2007/PartnerControls">
   <documentManagement>
     <_ip_UnifiedCompliancePolicyUIAction xmlns="http://schemas.microsoft.com/sharepoint/v3" xsi:nil="true"/>
@@ -15602,15 +15532,6 @@
     <MediaServiceKeyPoints xmlns="71af3243-3dd4-4a8d-8c0d-dd76da1f02a5" xsi:nil="true"/>
   </documentManagement>
 </p:properties>
-</file>
-
-<file path=customXml/item2.xml><?xml version="1.0" encoding="utf-8"?>
-<?mso-contentType ?>
-<FormTemplates xmlns="http://schemas.microsoft.com/sharepoint/v3/contenttype/forms">
-  <Display>DocumentLibraryForm</Display>
-  <Edit>DocumentLibraryForm</Edit>
-  <New>DocumentLibraryForm</New>
-</FormTemplates>
 </file>
 
 <file path=customXml/item3.xml><?xml version="1.0" encoding="utf-8"?>
@@ -15908,6 +15829,14 @@
 </file>
 
 <file path=customXml/itemProps1.xml><?xml version="1.0" encoding="utf-8"?>
+<ds:datastoreItem xmlns:ds="http://schemas.openxmlformats.org/officeDocument/2006/customXml" ds:itemID="{0E8B3377-22F1-4153-96F0-CC2E4BE41C57}">
+  <ds:schemaRefs>
+    <ds:schemaRef ds:uri="http://schemas.microsoft.com/sharepoint/v3/contenttype/forms"/>
+  </ds:schemaRefs>
+</ds:datastoreItem>
+</file>
+
+<file path=customXml/itemProps2.xml><?xml version="1.0" encoding="utf-8"?>
 <ds:datastoreItem xmlns:ds="http://schemas.openxmlformats.org/officeDocument/2006/customXml" ds:itemID="{99746342-5E84-430E-9251-61001F208E7A}">
   <ds:schemaRefs>
     <ds:schemaRef ds:uri="http://schemas.microsoft.com/office/2006/metadata/properties"/>
@@ -15915,14 +15844,6 @@
     <ds:schemaRef ds:uri="http://schemas.microsoft.com/sharepoint/v3"/>
     <ds:schemaRef ds:uri="71af3243-3dd4-4a8d-8c0d-dd76da1f02a5"/>
     <ds:schemaRef ds:uri="230e9df3-be65-4c73-a93b-d1236ebd677e"/>
-  </ds:schemaRefs>
-</ds:datastoreItem>
-</file>
-
-<file path=customXml/itemProps2.xml><?xml version="1.0" encoding="utf-8"?>
-<ds:datastoreItem xmlns:ds="http://schemas.openxmlformats.org/officeDocument/2006/customXml" ds:itemID="{0E8B3377-22F1-4153-96F0-CC2E4BE41C57}">
-  <ds:schemaRefs>
-    <ds:schemaRef ds:uri="http://schemas.microsoft.com/sharepoint/v3/contenttype/forms"/>
   </ds:schemaRefs>
 </ds:datastoreItem>
 </file>

--- a/APRESENTAÇÕES/PSU.pptx
+++ b/APRESENTAÇÕES/PSU.pptx
@@ -13599,7 +13599,7 @@
         </p:nvSpPr>
         <p:spPr>
           <a:xfrm>
-            <a:off x="4547618" y="2700529"/>
+            <a:off x="5268054" y="3005329"/>
             <a:ext cx="6735526" cy="1899606"/>
           </a:xfrm>
         </p:spPr>
@@ -13617,13 +13617,13 @@
               </a:lnSpc>
             </a:pPr>
             <a:r>
-              <a:rPr lang="pt-BR" b="0" i="0" dirty="0">
-                <a:effectLst/>
+              <a:rPr lang="pt-BR" sz="4000" dirty="0">
                 <a:latin typeface="Noto Sans" panose="020B0502040204020203" pitchFamily="34" charset="0"/>
+                <a:ea typeface="Arial" panose="020B0604020202020204" pitchFamily="34" charset="0"/>
               </a:rPr>
-              <a:t>Nos últimos anos, o avanço da tecnologia facilitou a possibilidade de reunir todas as informações de um paciente arquivadas por meio de uma ferramenta que proporciona acesso rápido, mesmo que elas estejam distribuídas em diversos setores do âmbito hospitalar.</a:t>
-            </a:r>
-            <a:endParaRPr lang="pt-BR" sz="2400" dirty="0">
+              <a:t>Avanço tecnológico </a:t>
+            </a:r>
+            <a:endParaRPr lang="pt-BR" sz="4000" dirty="0">
               <a:effectLst/>
               <a:latin typeface="Arial" panose="020B0604020202020204" pitchFamily="34" charset="0"/>
               <a:ea typeface="Arial" panose="020B0604020202020204" pitchFamily="34" charset="0"/>

--- a/APRESENTAÇÕES/PSU.pptx
+++ b/APRESENTAÇÕES/PSU.pptx
@@ -15506,15 +15506,6 @@
 </file>
 
 <file path=customXml/item1.xml><?xml version="1.0" encoding="utf-8"?>
-<?mso-contentType ?>
-<FormTemplates xmlns="http://schemas.microsoft.com/sharepoint/v3/contenttype/forms">
-  <Display>DocumentLibraryForm</Display>
-  <Edit>DocumentLibraryForm</Edit>
-  <New>DocumentLibraryForm</New>
-</FormTemplates>
-</file>
-
-<file path=customXml/item2.xml><?xml version="1.0" encoding="utf-8"?>
 <p:properties xmlns:p="http://schemas.microsoft.com/office/2006/metadata/properties" xmlns:xsi="http://www.w3.org/2001/XMLSchema-instance" xmlns:pc="http://schemas.microsoft.com/office/infopath/2007/PartnerControls">
   <documentManagement>
     <_ip_UnifiedCompliancePolicyUIAction xmlns="http://schemas.microsoft.com/sharepoint/v3" xsi:nil="true"/>
@@ -15532,6 +15523,15 @@
     <MediaServiceKeyPoints xmlns="71af3243-3dd4-4a8d-8c0d-dd76da1f02a5" xsi:nil="true"/>
   </documentManagement>
 </p:properties>
+</file>
+
+<file path=customXml/item2.xml><?xml version="1.0" encoding="utf-8"?>
+<?mso-contentType ?>
+<FormTemplates xmlns="http://schemas.microsoft.com/sharepoint/v3/contenttype/forms">
+  <Display>DocumentLibraryForm</Display>
+  <Edit>DocumentLibraryForm</Edit>
+  <New>DocumentLibraryForm</New>
+</FormTemplates>
 </file>
 
 <file path=customXml/item3.xml><?xml version="1.0" encoding="utf-8"?>
@@ -15829,14 +15829,6 @@
 </file>
 
 <file path=customXml/itemProps1.xml><?xml version="1.0" encoding="utf-8"?>
-<ds:datastoreItem xmlns:ds="http://schemas.openxmlformats.org/officeDocument/2006/customXml" ds:itemID="{0E8B3377-22F1-4153-96F0-CC2E4BE41C57}">
-  <ds:schemaRefs>
-    <ds:schemaRef ds:uri="http://schemas.microsoft.com/sharepoint/v3/contenttype/forms"/>
-  </ds:schemaRefs>
-</ds:datastoreItem>
-</file>
-
-<file path=customXml/itemProps2.xml><?xml version="1.0" encoding="utf-8"?>
 <ds:datastoreItem xmlns:ds="http://schemas.openxmlformats.org/officeDocument/2006/customXml" ds:itemID="{99746342-5E84-430E-9251-61001F208E7A}">
   <ds:schemaRefs>
     <ds:schemaRef ds:uri="http://schemas.microsoft.com/office/2006/metadata/properties"/>
@@ -15844,6 +15836,14 @@
     <ds:schemaRef ds:uri="http://schemas.microsoft.com/sharepoint/v3"/>
     <ds:schemaRef ds:uri="71af3243-3dd4-4a8d-8c0d-dd76da1f02a5"/>
     <ds:schemaRef ds:uri="230e9df3-be65-4c73-a93b-d1236ebd677e"/>
+  </ds:schemaRefs>
+</ds:datastoreItem>
+</file>
+
+<file path=customXml/itemProps2.xml><?xml version="1.0" encoding="utf-8"?>
+<ds:datastoreItem xmlns:ds="http://schemas.openxmlformats.org/officeDocument/2006/customXml" ds:itemID="{0E8B3377-22F1-4153-96F0-CC2E4BE41C57}">
+  <ds:schemaRefs>
+    <ds:schemaRef ds:uri="http://schemas.microsoft.com/sharepoint/v3/contenttype/forms"/>
   </ds:schemaRefs>
 </ds:datastoreItem>
 </file>
